--- a/lectures/E00 - Introduktion/Introduktion.pptx
+++ b/lectures/E00 - Introduktion/Introduktion.pptx
@@ -28,34 +28,6 @@
   </p:sldIdLst>
   <p:sldSz cx="9144000" cy="5715000" type="screen16x10"/>
   <p:notesSz cx="7099300" cy="10234613"/>
-  <p:embeddedFontLst>
-    <p:embeddedFont>
-      <p:font typeface="Minya Nouvelle" charset="0"/>
-      <p:regular r:id="rId18"/>
-      <p:bold r:id="rId19"/>
-      <p:italic r:id="rId20"/>
-      <p:boldItalic r:id="rId21"/>
-    </p:embeddedFont>
-    <p:embeddedFont>
-      <p:font typeface="Segoe Script" pitchFamily="34" charset="0"/>
-      <p:regular r:id="rId22"/>
-      <p:bold r:id="rId23"/>
-    </p:embeddedFont>
-    <p:embeddedFont>
-      <p:font typeface="Calibri" pitchFamily="34" charset="0"/>
-      <p:regular r:id="rId24"/>
-      <p:bold r:id="rId25"/>
-      <p:italic r:id="rId26"/>
-      <p:boldItalic r:id="rId27"/>
-    </p:embeddedFont>
-    <p:embeddedFont>
-      <p:font typeface="Verdana" pitchFamily="34" charset="0"/>
-      <p:regular r:id="rId28"/>
-      <p:bold r:id="rId29"/>
-      <p:italic r:id="rId30"/>
-      <p:boldItalic r:id="rId31"/>
-    </p:embeddedFont>
-  </p:embeddedFontLst>
   <p:defaultTextStyle>
     <a:defPPr>
       <a:defRPr lang="sv-SE"/>
@@ -237,7 +209,7 @@
             <a:fld id="{D591C14E-198E-48A7-ABEC-7FB80E868E55}" type="datetimeFigureOut">
               <a:rPr lang="sv-SE" smtClean="0"/>
               <a:pPr/>
-              <a:t>2012-11-12</a:t>
+              <a:t>2013-11-11</a:t>
             </a:fld>
             <a:endParaRPr lang="sv-SE"/>
           </a:p>
@@ -404,7 +376,7 @@
             <a:fld id="{188BB863-C913-48B5-BD1A-638D82A0C76B}" type="datetimeFigureOut">
               <a:rPr lang="sv-SE" smtClean="0"/>
               <a:pPr/>
-              <a:t>2012-11-12</a:t>
+              <a:t>2013-11-11</a:t>
             </a:fld>
             <a:endParaRPr lang="sv-SE"/>
           </a:p>
@@ -1971,7 +1943,7 @@
           </a:prstGeom>
           <a:noFill/>
           <a:extLst>
-            <a:ext uri="{909E8E84-426E-40DD-AFC4-6F175D3DCCD1}">
+            <a:ext uri="{909E8E84-426E-40dd-AFC4-6F175D3DCCD1}">
               <a14:hiddenFill xmlns:a14="http://schemas.microsoft.com/office/drawing/2010/main">
                 <a:solidFill>
                   <a:srgbClr val="FFFFFF"/>
@@ -2012,7 +1984,7 @@
           </a:prstGeom>
           <a:noFill/>
           <a:extLst>
-            <a:ext uri="{909E8E84-426E-40DD-AFC4-6F175D3DCCD1}">
+            <a:ext uri="{909E8E84-426E-40dd-AFC4-6F175D3DCCD1}">
               <a14:hiddenFill xmlns:a14="http://schemas.microsoft.com/office/drawing/2010/main">
                 <a:solidFill>
                   <a:srgbClr val="FFFFFF"/>
@@ -2030,7 +2002,7 @@
   <p:timing>
     <p:tnLst>
       <p:par>
-        <p:cTn id="1" dur="indefinite" restart="never" nodeType="tmRoot"/>
+        <p:cTn xmlns:p14="http://schemas.microsoft.com/office/powerpoint/2010/main" id="1" dur="indefinite" restart="never" nodeType="tmRoot"/>
       </p:par>
     </p:tnLst>
   </p:timing>
@@ -2341,7 +2313,7 @@
             </a:outerShdw>
           </a:effectLst>
           <a:extLst>
-            <a:ext uri="{909E8E84-426E-40DD-AFC4-6F175D3DCCD1}">
+            <a:ext uri="{909E8E84-426E-40dd-AFC4-6F175D3DCCD1}">
               <a14:hiddenFill xmlns:a14="http://schemas.microsoft.com/office/drawing/2010/main">
                 <a:solidFill>
                   <a:srgbClr val="FFFFFF"/>
@@ -2391,7 +2363,7 @@
             </a:outerShdw>
           </a:effectLst>
           <a:extLst>
-            <a:ext uri="{909E8E84-426E-40DD-AFC4-6F175D3DCCD1}">
+            <a:ext uri="{909E8E84-426E-40dd-AFC4-6F175D3DCCD1}">
               <a14:hiddenFill xmlns:a14="http://schemas.microsoft.com/office/drawing/2010/main">
                 <a:solidFill>
                   <a:srgbClr val="FFFFFF"/>
@@ -2441,7 +2413,7 @@
             </a:outerShdw>
           </a:effectLst>
           <a:extLst>
-            <a:ext uri="{909E8E84-426E-40DD-AFC4-6F175D3DCCD1}">
+            <a:ext uri="{909E8E84-426E-40dd-AFC4-6F175D3DCCD1}">
               <a14:hiddenFill xmlns:a14="http://schemas.microsoft.com/office/drawing/2010/main">
                 <a:solidFill>
                   <a:srgbClr val="FFFFFF"/>
@@ -2453,66 +2425,26 @@
       </p:pic>
       <p:pic>
         <p:nvPicPr>
-          <p:cNvPr id="3079" name="Picture 7"/>
+          <p:cNvPr id="4" name="Picture 3"/>
           <p:cNvPicPr>
-            <a:picLocks noChangeAspect="1" noChangeArrowheads="1"/>
+            <a:picLocks noChangeAspect="1"/>
           </p:cNvPicPr>
           <p:nvPr/>
         </p:nvPicPr>
         <p:blipFill>
-          <a:blip r:embed="rId6">
-            <a:extLst>
-              <a:ext uri="{28A0092B-C50C-407E-A947-70E740481C1C}">
-                <a14:useLocalDpi xmlns:a14="http://schemas.microsoft.com/office/drawing/2010/main" val="0"/>
-              </a:ext>
-            </a:extLst>
-          </a:blip>
-          <a:srcRect/>
+          <a:blip r:embed="rId6"/>
           <a:stretch>
             <a:fillRect/>
           </a:stretch>
         </p:blipFill>
-        <p:spPr bwMode="auto">
+        <p:spPr>
           <a:xfrm>
-            <a:off x="3591880" y="3956337"/>
-            <a:ext cx="3115327" cy="1426645"/>
+            <a:off x="4283968" y="4009628"/>
+            <a:ext cx="3505200" cy="1495890"/>
           </a:xfrm>
           <a:prstGeom prst="rect">
             <a:avLst/>
           </a:prstGeom>
-          <a:noFill/>
-          <a:ln>
-            <a:noFill/>
-          </a:ln>
-          <a:effectLst/>
-          <a:extLst>
-            <a:ext uri="{909E8E84-426E-40DD-AFC4-6F175D3DCCD1}">
-              <a14:hiddenFill xmlns:a14="http://schemas.microsoft.com/office/drawing/2010/main">
-                <a:solidFill>
-                  <a:schemeClr val="accent1"/>
-                </a:solidFill>
-              </a14:hiddenFill>
-            </a:ext>
-            <a:ext uri="{91240B29-F687-4F45-9708-019B960494DF}">
-              <a14:hiddenLine xmlns:a14="http://schemas.microsoft.com/office/drawing/2010/main" w="9525">
-                <a:solidFill>
-                  <a:schemeClr val="tx1"/>
-                </a:solidFill>
-                <a:miter lim="800000"/>
-                <a:headEnd/>
-                <a:tailEnd/>
-              </a14:hiddenLine>
-            </a:ext>
-            <a:ext uri="{AF507438-7753-43E0-B8FC-AC1667EBCBE1}">
-              <a14:hiddenEffects xmlns:a14="http://schemas.microsoft.com/office/drawing/2010/main">
-                <a:effectLst>
-                  <a:outerShdw dist="35921" dir="2700000" algn="ctr" rotWithShape="0">
-                    <a:schemeClr val="bg2"/>
-                  </a:outerShdw>
-                </a:effectLst>
-              </a14:hiddenEffects>
-            </a:ext>
-          </a:extLst>
         </p:spPr>
       </p:pic>
     </p:spTree>
@@ -2523,7 +2455,7 @@
   <p:timing>
     <p:tnLst>
       <p:par>
-        <p:cTn id="1" dur="indefinite" restart="never" nodeType="tmRoot">
+        <p:cTn xmlns:p14="http://schemas.microsoft.com/office/powerpoint/2010/main" id="1" dur="indefinite" restart="never" nodeType="tmRoot">
           <p:childTnLst>
             <p:seq concurrent="1" nextAc="seek">
               <p:cTn id="2" dur="indefinite" nodeType="mainSeq">
@@ -2646,7 +2578,11 @@
           <a:p>
             <a:r>
               <a:rPr lang="sv-SE" dirty="0" smtClean="0"/>
-              <a:t>Kursvärdering ht2011</a:t>
+              <a:t>Kursvärdering </a:t>
+            </a:r>
+            <a:r>
+              <a:rPr lang="sv-SE" dirty="0" smtClean="0"/>
+              <a:t>Ht2012</a:t>
             </a:r>
             <a:endParaRPr lang="sv-SE" dirty="0"/>
           </a:p>
@@ -2654,68 +2590,26 @@
       </p:sp>
       <p:pic>
         <p:nvPicPr>
-          <p:cNvPr id="3" name="Picture 2">
-            <a:hlinkClick r:id="rId2"/>
-          </p:cNvPr>
+          <p:cNvPr id="4" name="Picture 3"/>
           <p:cNvPicPr>
-            <a:picLocks noChangeAspect="1" noChangeArrowheads="1"/>
+            <a:picLocks noChangeAspect="1"/>
           </p:cNvPicPr>
           <p:nvPr/>
         </p:nvPicPr>
         <p:blipFill>
-          <a:blip r:embed="rId3">
-            <a:extLst>
-              <a:ext uri="{28A0092B-C50C-407E-A947-70E740481C1C}">
-                <a14:useLocalDpi xmlns:a14="http://schemas.microsoft.com/office/drawing/2010/main" val="0"/>
-              </a:ext>
-            </a:extLst>
-          </a:blip>
-          <a:srcRect/>
+          <a:blip r:embed="rId2"/>
           <a:stretch>
             <a:fillRect/>
           </a:stretch>
         </p:blipFill>
-        <p:spPr bwMode="auto">
+        <p:spPr>
           <a:xfrm>
-            <a:off x="1378808" y="1825352"/>
-            <a:ext cx="6315075" cy="2400300"/>
+            <a:off x="887040" y="1993404"/>
+            <a:ext cx="7645400" cy="2768600"/>
           </a:xfrm>
           <a:prstGeom prst="rect">
             <a:avLst/>
           </a:prstGeom>
-          <a:noFill/>
-          <a:ln>
-            <a:noFill/>
-          </a:ln>
-          <a:effectLst/>
-          <a:extLst>
-            <a:ext uri="{909E8E84-426E-40DD-AFC4-6F175D3DCCD1}">
-              <a14:hiddenFill xmlns:a14="http://schemas.microsoft.com/office/drawing/2010/main">
-                <a:solidFill>
-                  <a:schemeClr val="accent1"/>
-                </a:solidFill>
-              </a14:hiddenFill>
-            </a:ext>
-            <a:ext uri="{91240B29-F687-4F45-9708-019B960494DF}">
-              <a14:hiddenLine xmlns:a14="http://schemas.microsoft.com/office/drawing/2010/main" w="9525">
-                <a:solidFill>
-                  <a:schemeClr val="tx1"/>
-                </a:solidFill>
-                <a:miter lim="800000"/>
-                <a:headEnd/>
-                <a:tailEnd/>
-              </a14:hiddenLine>
-            </a:ext>
-            <a:ext uri="{AF507438-7753-43E0-B8FC-AC1667EBCBE1}">
-              <a14:hiddenEffects xmlns:a14="http://schemas.microsoft.com/office/drawing/2010/main">
-                <a:effectLst>
-                  <a:outerShdw dist="35921" dir="2700000" algn="ctr" rotWithShape="0">
-                    <a:schemeClr val="bg2"/>
-                  </a:outerShdw>
-                </a:effectLst>
-              </a14:hiddenEffects>
-            </a:ext>
-          </a:extLst>
         </p:spPr>
       </p:pic>
     </p:spTree>
@@ -2726,7 +2620,7 @@
   <p:timing>
     <p:tnLst>
       <p:par>
-        <p:cTn id="1" dur="indefinite" restart="never" nodeType="tmRoot"/>
+        <p:cTn xmlns:p14="http://schemas.microsoft.com/office/powerpoint/2010/main" id="1" dur="indefinite" restart="never" nodeType="tmRoot"/>
       </p:par>
     </p:tnLst>
   </p:timing>
@@ -2843,31 +2737,25 @@
               <a:rPr lang="sv-SE" sz="1600" dirty="0" smtClean="0">
                 <a:latin typeface="Minya Nouvelle" charset="0"/>
               </a:rPr>
-              <a:t>"En </a:t>
-            </a:r>
-            <a:r>
-              <a:rPr lang="sv-SE" sz="1600" dirty="0">
-                <a:latin typeface="Minya Nouvelle" charset="0"/>
-              </a:rPr>
-              <a:t>mycket bra och intressant kurs som jag skulle rekommendera till alla som har något intresse av </a:t>
-            </a:r>
-            <a:r>
-              <a:rPr lang="sv-SE" sz="1600" dirty="0" err="1">
+              <a:t>"En mycket bra och intressant kurs som jag skulle rekommendera till alla som har något intresse av </a:t>
+            </a:r>
+            <a:r>
+              <a:rPr lang="sv-SE" sz="1600" dirty="0" err="1" smtClean="0">
                 <a:latin typeface="Minya Nouvelle" charset="0"/>
               </a:rPr>
               <a:t>javaScript</a:t>
             </a:r>
             <a:r>
-              <a:rPr lang="sv-SE" sz="1600" dirty="0">
-                <a:latin typeface="Minya Nouvelle" charset="0"/>
-              </a:rPr>
-              <a:t> eller något annat språk</a:t>
-            </a:r>
-            <a:r>
               <a:rPr lang="sv-SE" sz="1600" dirty="0" smtClean="0">
                 <a:latin typeface="Minya Nouvelle" charset="0"/>
               </a:rPr>
-              <a:t>."</a:t>
+              <a:t> eller något annat språk.</a:t>
+            </a:r>
+            <a:r>
+              <a:rPr lang="sv-SE" sz="1600" dirty="0" smtClean="0">
+                <a:latin typeface="Minya Nouvelle" charset="0"/>
+              </a:rPr>
+              <a:t>"</a:t>
             </a:r>
             <a:endParaRPr lang="sv-SE" sz="1600" dirty="0">
               <a:latin typeface="Minya Nouvelle" charset="0"/>
@@ -3038,7 +2926,7 @@
           </a:prstGeom>
           <a:noFill/>
           <a:extLst>
-            <a:ext uri="{909E8E84-426E-40DD-AFC4-6F175D3DCCD1}">
+            <a:ext uri="{909E8E84-426E-40dd-AFC4-6F175D3DCCD1}">
               <a14:hiddenFill xmlns:a14="http://schemas.microsoft.com/office/drawing/2010/main">
                 <a:solidFill>
                   <a:srgbClr val="FFFFFF"/>
@@ -3091,7 +2979,7 @@
   <p:timing>
     <p:tnLst>
       <p:par>
-        <p:cTn id="1" dur="indefinite" restart="never" nodeType="tmRoot"/>
+        <p:cTn xmlns:p14="http://schemas.microsoft.com/office/powerpoint/2010/main" id="1" dur="indefinite" restart="never" nodeType="tmRoot"/>
       </p:par>
     </p:tnLst>
   </p:timing>
@@ -3214,7 +3102,7 @@
           </a:prstGeom>
           <a:noFill/>
           <a:extLst>
-            <a:ext uri="{909E8E84-426E-40DD-AFC4-6F175D3DCCD1}">
+            <a:ext uri="{909E8E84-426E-40dd-AFC4-6F175D3DCCD1}">
               <a14:hiddenFill xmlns:a14="http://schemas.microsoft.com/office/drawing/2010/main">
                 <a:solidFill>
                   <a:srgbClr val="FFFFFF"/>
@@ -3573,8 +3461,34 @@
                 <a:ea typeface="+mn-ea"/>
                 <a:cs typeface="+mn-cs"/>
               </a:rPr>
-              <a:t>Registrera er via LPW </a:t>
-            </a:r>
+              <a:t>Registrera er via </a:t>
+            </a:r>
+            <a:r>
+              <a:rPr lang="sv-SE" sz="2800" b="1" dirty="0" err="1" smtClean="0">
+                <a:latin typeface="Minya Nouvelle" pitchFamily="2" charset="0"/>
+              </a:rPr>
+              <a:t>lnu.se</a:t>
+            </a:r>
+            <a:r>
+              <a:rPr lang="sv-SE" sz="2800" b="1" dirty="0" smtClean="0">
+                <a:latin typeface="Minya Nouvelle" pitchFamily="2" charset="0"/>
+              </a:rPr>
+              <a:t>/student</a:t>
+            </a:r>
+            <a:endParaRPr kumimoji="0" lang="sv-SE" sz="2800" b="1" i="0" u="none" strike="noStrike" kern="1200" cap="none" spc="0" normalizeH="0" baseline="0" noProof="0" dirty="0" smtClean="0">
+              <a:ln>
+                <a:noFill/>
+              </a:ln>
+              <a:solidFill>
+                <a:schemeClr val="tx1"/>
+              </a:solidFill>
+              <a:effectLst/>
+              <a:uLnTx/>
+              <a:uFillTx/>
+              <a:latin typeface="Minya Nouvelle" pitchFamily="2" charset="0"/>
+              <a:ea typeface="+mn-ea"/>
+              <a:cs typeface="+mn-cs"/>
+            </a:endParaRPr>
           </a:p>
           <a:p>
             <a:pPr marL="457200" lvl="0" indent="-457200">
@@ -3637,7 +3551,7 @@
           </a:prstGeom>
           <a:noFill/>
           <a:extLst>
-            <a:ext uri="{909E8E84-426E-40DD-AFC4-6F175D3DCCD1}">
+            <a:ext uri="{909E8E84-426E-40dd-AFC4-6F175D3DCCD1}">
               <a14:hiddenFill xmlns:a14="http://schemas.microsoft.com/office/drawing/2010/main">
                 <a:solidFill>
                   <a:srgbClr val="FFFFFF"/>
@@ -3655,7 +3569,7 @@
   <p:timing>
     <p:tnLst>
       <p:par>
-        <p:cTn id="1" dur="indefinite" restart="never" nodeType="tmRoot"/>
+        <p:cTn xmlns:p14="http://schemas.microsoft.com/office/powerpoint/2010/main" id="1" dur="indefinite" restart="never" nodeType="tmRoot"/>
       </p:par>
     </p:tnLst>
   </p:timing>
@@ -4289,7 +4203,7 @@
         <p:spPr>
           <a:xfrm>
             <a:off x="144016" y="4657700"/>
-            <a:ext cx="6300192" cy="923330"/>
+            <a:ext cx="6300192" cy="646331"/>
           </a:xfrm>
           <a:prstGeom prst="rect">
             <a:avLst/>
@@ -4310,8 +4224,9 @@
             </a:br>
             <a:r>
               <a:rPr lang="sv-SE" dirty="0"/>
-              <a:t>http://coursepress.lnu.se/kurs/webbteknik-ii/ http://krawaller.github.com/riaweb/</a:t>
-            </a:r>
+              <a:t>http://coursepress.lnu.se/kurs/webbteknik-ii/ </a:t>
+            </a:r>
+            <a:endParaRPr lang="sv-SE" dirty="0" smtClean="0"/>
           </a:p>
         </p:txBody>
       </p:sp>
@@ -4346,7 +4261,7 @@
           </a:prstGeom>
           <a:noFill/>
           <a:extLst>
-            <a:ext uri="{909E8E84-426E-40DD-AFC4-6F175D3DCCD1}">
+            <a:ext uri="{909E8E84-426E-40dd-AFC4-6F175D3DCCD1}">
               <a14:hiddenFill xmlns:a14="http://schemas.microsoft.com/office/drawing/2010/main">
                 <a:solidFill>
                   <a:srgbClr val="FFFFFF"/>
@@ -4387,7 +4302,7 @@
           </a:prstGeom>
           <a:noFill/>
           <a:extLst>
-            <a:ext uri="{909E8E84-426E-40DD-AFC4-6F175D3DCCD1}">
+            <a:ext uri="{909E8E84-426E-40dd-AFC4-6F175D3DCCD1}">
               <a14:hiddenFill xmlns:a14="http://schemas.microsoft.com/office/drawing/2010/main">
                 <a:solidFill>
                   <a:srgbClr val="FFFFFF"/>
@@ -4428,7 +4343,7 @@
           </a:prstGeom>
           <a:noFill/>
           <a:extLst>
-            <a:ext uri="{909E8E84-426E-40DD-AFC4-6F175D3DCCD1}">
+            <a:ext uri="{909E8E84-426E-40dd-AFC4-6F175D3DCCD1}">
               <a14:hiddenFill xmlns:a14="http://schemas.microsoft.com/office/drawing/2010/main">
                 <a:solidFill>
                   <a:srgbClr val="FFFFFF"/>
@@ -4451,7 +4366,7 @@
   <p:timing>
     <p:tnLst>
       <p:par>
-        <p:cTn id="1" dur="indefinite" restart="never" nodeType="tmRoot"/>
+        <p:cTn xmlns:p14="http://schemas.microsoft.com/office/powerpoint/2010/main" id="1" dur="indefinite" restart="never" nodeType="tmRoot"/>
       </p:par>
     </p:tnLst>
   </p:timing>
@@ -4570,7 +4485,7 @@
   <p:timing>
     <p:tnLst>
       <p:par>
-        <p:cTn id="1" dur="indefinite" restart="never" nodeType="tmRoot"/>
+        <p:cTn xmlns:p14="http://schemas.microsoft.com/office/powerpoint/2010/main" id="1" dur="indefinite" restart="never" nodeType="tmRoot"/>
       </p:par>
     </p:tnLst>
   </p:timing>
@@ -4689,7 +4604,7 @@
   <p:timing>
     <p:tnLst>
       <p:par>
-        <p:cTn id="1" dur="indefinite" restart="never" nodeType="tmRoot"/>
+        <p:cTn xmlns:p14="http://schemas.microsoft.com/office/powerpoint/2010/main" id="1" dur="indefinite" restart="never" nodeType="tmRoot"/>
       </p:par>
     </p:tnLst>
   </p:timing>
@@ -4825,7 +4740,7 @@
           <p:nvPr>
             <p:extLst>
               <p:ext uri="{D42A27DB-BD31-4B8C-83A1-F6EECF244321}">
-                <p14:modId xmlns:p14="http://schemas.microsoft.com/office/powerpoint/2010/main" val="546456139"/>
+                <p14:modId xmlns:p14="http://schemas.microsoft.com/office/powerpoint/2010/main" val="2555779359"/>
               </p:ext>
             </p:extLst>
           </p:nvPr>
@@ -8060,10 +7975,28 @@
                           <a:effectLst/>
                           <a:latin typeface="Verdana" pitchFamily="34" charset="0"/>
                         </a:rPr>
-                        <a:t>RP</a:t>
+                        <a:t>EX</a:t>
                       </a:r>
-                      <a:br>
-                        <a:rPr kumimoji="0" lang="sv-SE" sz="2000" b="1" i="0" u="none" strike="noStrike" cap="none" normalizeH="0" baseline="0" dirty="0" smtClean="0">
+                    </a:p>
+                    <a:p>
+                      <a:pPr marL="0" marR="0" lvl="0" indent="0" algn="ctr" defTabSz="914400" rtl="0" eaLnBrk="1" fontAlgn="base" latinLnBrk="0" hangingPunct="1">
+                        <a:lnSpc>
+                          <a:spcPct val="100000"/>
+                        </a:lnSpc>
+                        <a:spcBef>
+                          <a:spcPct val="20000"/>
+                        </a:spcBef>
+                        <a:spcAft>
+                          <a:spcPct val="0"/>
+                        </a:spcAft>
+                        <a:buClrTx/>
+                        <a:buSzTx/>
+                        <a:buFontTx/>
+                        <a:buNone/>
+                        <a:tabLst/>
+                      </a:pPr>
+                      <a:r>
+                        <a:rPr kumimoji="0" lang="sv-SE" sz="1000" b="1" i="0" u="none" strike="noStrike" cap="none" normalizeH="0" baseline="0" dirty="0" smtClean="0">
                           <a:ln>
                             <a:noFill/>
                           </a:ln>
@@ -8073,9 +8006,10 @@
                           <a:effectLst/>
                           <a:latin typeface="Verdana" pitchFamily="34" charset="0"/>
                         </a:rPr>
-                      </a:br>
+                        <a:t>Exa-</a:t>
+                      </a:r>
                       <a:r>
-                        <a:rPr kumimoji="0" lang="sv-SE" sz="1050" b="1" i="0" u="none" strike="noStrike" cap="none" normalizeH="0" baseline="0" dirty="0" smtClean="0">
+                        <a:rPr kumimoji="0" lang="sv-SE" sz="1000" b="1" i="0" u="none" strike="noStrike" cap="none" normalizeH="0" baseline="0" dirty="0" err="1" smtClean="0">
                           <a:ln>
                             <a:noFill/>
                           </a:ln>
@@ -8085,9 +8019,9 @@
                           <a:effectLst/>
                           <a:latin typeface="Verdana" pitchFamily="34" charset="0"/>
                         </a:rPr>
-                        <a:t>muntligt</a:t>
+                        <a:t>mination</a:t>
                       </a:r>
-                      <a:endParaRPr kumimoji="0" lang="sv-SE" sz="2000" b="1" i="0" u="none" strike="noStrike" cap="none" normalizeH="0" baseline="0" dirty="0" smtClean="0">
+                      <a:endParaRPr kumimoji="0" lang="sv-SE" sz="1000" b="1" i="0" u="none" strike="noStrike" cap="none" normalizeH="0" baseline="0" dirty="0" smtClean="0">
                         <a:ln>
                           <a:noFill/>
                         </a:ln>
@@ -8299,7 +8233,7 @@
           </a:prstGeom>
           <a:noFill/>
           <a:extLst>
-            <a:ext uri="{909E8E84-426E-40DD-AFC4-6F175D3DCCD1}">
+            <a:ext uri="{909E8E84-426E-40dd-AFC4-6F175D3DCCD1}">
               <a14:hiddenFill xmlns:a14="http://schemas.microsoft.com/office/drawing/2010/main">
                 <a:solidFill>
                   <a:srgbClr val="FFFFFF"/>
@@ -8340,7 +8274,7 @@
           </a:prstGeom>
           <a:noFill/>
           <a:extLst>
-            <a:ext uri="{909E8E84-426E-40DD-AFC4-6F175D3DCCD1}">
+            <a:ext uri="{909E8E84-426E-40dd-AFC4-6F175D3DCCD1}">
               <a14:hiddenFill xmlns:a14="http://schemas.microsoft.com/office/drawing/2010/main">
                 <a:solidFill>
                   <a:srgbClr val="FFFFFF"/>
@@ -8383,7 +8317,7 @@
           </a:prstGeom>
           <a:noFill/>
           <a:extLst>
-            <a:ext uri="{909E8E84-426E-40DD-AFC4-6F175D3DCCD1}">
+            <a:ext uri="{909E8E84-426E-40dd-AFC4-6F175D3DCCD1}">
               <a14:hiddenFill xmlns:a14="http://schemas.microsoft.com/office/drawing/2010/main">
                 <a:solidFill>
                   <a:srgbClr val="FFFFFF"/>
@@ -8536,7 +8470,7 @@
         <p:spPr bwMode="auto">
           <a:xfrm>
             <a:off x="228600" y="2569468"/>
-            <a:ext cx="4791696" cy="369332"/>
+            <a:ext cx="6032458" cy="369332"/>
           </a:xfrm>
           <a:prstGeom prst="rect">
             <a:avLst/>
@@ -8556,10 +8490,10 @@
           <a:lstStyle/>
           <a:p>
             <a:r>
-              <a:rPr lang="sv-SE" b="1" dirty="0">
+              <a:rPr lang="sv-SE" b="1" dirty="0" smtClean="0">
                 <a:latin typeface="Minya Nouvelle" charset="0"/>
               </a:rPr>
-              <a:t>Laborationer: </a:t>
+              <a:t>Laborationer/Handledning: </a:t>
             </a:r>
             <a:r>
               <a:rPr lang="sv-SE" b="1" dirty="0" smtClean="0">
@@ -8613,7 +8547,13 @@
               <a:rPr lang="sv-SE" dirty="0" smtClean="0">
                 <a:latin typeface="Minya Nouvelle" charset="0"/>
               </a:rPr>
-              <a:t>laborationspass som finns i schemat. Du bokar själv grupp på kurswebben.</a:t>
+              <a:t>handledningspass som </a:t>
+            </a:r>
+            <a:r>
+              <a:rPr lang="sv-SE" dirty="0" smtClean="0">
+                <a:latin typeface="Minya Nouvelle" charset="0"/>
+              </a:rPr>
+              <a:t>finns i schemat. Du bokar själv grupp på kurswebben.</a:t>
             </a:r>
             <a:endParaRPr lang="sv-SE" dirty="0">
               <a:latin typeface="Minya Nouvelle" charset="0"/>
@@ -8731,7 +8671,7 @@
         </p:blipFill>
         <p:spPr bwMode="auto">
           <a:xfrm>
-            <a:off x="3491880" y="2620268"/>
+            <a:off x="4788024" y="2641476"/>
             <a:ext cx="203200" cy="203200"/>
           </a:xfrm>
           <a:prstGeom prst="rect">
@@ -8739,7 +8679,7 @@
           </a:prstGeom>
           <a:noFill/>
           <a:extLst>
-            <a:ext uri="{909E8E84-426E-40DD-AFC4-6F175D3DCCD1}">
+            <a:ext uri="{909E8E84-426E-40dd-AFC4-6F175D3DCCD1}">
               <a14:hiddenFill xmlns:a14="http://schemas.microsoft.com/office/drawing/2010/main">
                 <a:solidFill>
                   <a:srgbClr val="FFFFFF"/>
@@ -8780,7 +8720,7 @@
           </a:prstGeom>
           <a:noFill/>
           <a:extLst>
-            <a:ext uri="{909E8E84-426E-40DD-AFC4-6F175D3DCCD1}">
+            <a:ext uri="{909E8E84-426E-40dd-AFC4-6F175D3DCCD1}">
               <a14:hiddenFill xmlns:a14="http://schemas.microsoft.com/office/drawing/2010/main">
                 <a:solidFill>
                   <a:srgbClr val="FFFFFF"/>
@@ -8790,6 +8730,105 @@
           </a:extLst>
         </p:spPr>
       </p:pic>
+      <p:sp>
+        <p:nvSpPr>
+          <p:cNvPr id="11" name="Text Box 10"/>
+          <p:cNvSpPr txBox="1">
+            <a:spLocks noChangeArrowheads="1"/>
+          </p:cNvSpPr>
+          <p:nvPr/>
+        </p:nvSpPr>
+        <p:spPr bwMode="auto">
+          <a:xfrm>
+            <a:off x="251520" y="4646865"/>
+            <a:ext cx="4610269" cy="369332"/>
+          </a:xfrm>
+          <a:prstGeom prst="rect">
+            <a:avLst/>
+          </a:prstGeom>
+          <a:noFill/>
+          <a:ln w="9525">
+            <a:noFill/>
+            <a:miter lim="800000"/>
+            <a:headEnd/>
+            <a:tailEnd/>
+          </a:ln>
+        </p:spPr>
+        <p:txBody>
+          <a:bodyPr wrap="none">
+            <a:spAutoFit/>
+          </a:bodyPr>
+          <a:lstStyle/>
+          <a:p>
+            <a:r>
+              <a:rPr lang="sv-SE" b="1" dirty="0" smtClean="0">
+                <a:latin typeface="Minya Nouvelle" charset="0"/>
+              </a:rPr>
+              <a:t>Examination: (</a:t>
+            </a:r>
+            <a:r>
+              <a:rPr lang="sv-SE" b="1" dirty="0" smtClean="0">
+                <a:latin typeface="Minya Nouvelle" charset="0"/>
+              </a:rPr>
+              <a:t>I slutet av kursen,</a:t>
+            </a:r>
+            <a:r>
+              <a:rPr lang="sv-SE" b="1" dirty="0" smtClean="0">
+                <a:latin typeface="Minya Nouvelle" charset="0"/>
+              </a:rPr>
+              <a:t> </a:t>
+            </a:r>
+            <a:r>
+              <a:rPr lang="sv-SE" b="1" dirty="0">
+                <a:latin typeface="Minya Nouvelle" charset="0"/>
+              </a:rPr>
+              <a:t>U/3/4/5)</a:t>
+            </a:r>
+          </a:p>
+        </p:txBody>
+      </p:sp>
+      <p:sp>
+        <p:nvSpPr>
+          <p:cNvPr id="15" name="Text Box 11"/>
+          <p:cNvSpPr txBox="1">
+            <a:spLocks noChangeArrowheads="1"/>
+          </p:cNvSpPr>
+          <p:nvPr/>
+        </p:nvSpPr>
+        <p:spPr bwMode="auto">
+          <a:xfrm>
+            <a:off x="464245" y="4875465"/>
+            <a:ext cx="8474075" cy="646331"/>
+          </a:xfrm>
+          <a:prstGeom prst="rect">
+            <a:avLst/>
+          </a:prstGeom>
+          <a:noFill/>
+          <a:ln w="9525">
+            <a:noFill/>
+            <a:miter lim="800000"/>
+            <a:headEnd/>
+            <a:tailEnd/>
+          </a:ln>
+        </p:spPr>
+        <p:txBody>
+          <a:bodyPr wrap="square">
+            <a:spAutoFit/>
+          </a:bodyPr>
+          <a:lstStyle/>
+          <a:p>
+            <a:r>
+              <a:rPr lang="sv-SE" dirty="0" smtClean="0">
+                <a:latin typeface="Minya Nouvelle" charset="0"/>
+              </a:rPr>
+              <a:t>Du redovisar enskilt inför examinator. Detta sker genom muntliga frågor på dels kod i laborationer, projekt och övrig teori.</a:t>
+            </a:r>
+            <a:endParaRPr lang="sv-SE" dirty="0">
+              <a:latin typeface="Minya Nouvelle" charset="0"/>
+            </a:endParaRPr>
+          </a:p>
+        </p:txBody>
+      </p:sp>
     </p:spTree>
   </p:cSld>
   <p:clrMapOvr>
@@ -8840,43 +8879,26 @@
       </p:sp>
       <p:pic>
         <p:nvPicPr>
-          <p:cNvPr id="1026" name="Picture 2" descr="https://docs.google.com/spreadsheet/oimg?key=0AkSl8v9G9dsCdDNITE1HZWYwb1VkREMyRXd4MXRlblE&amp;oid=1&amp;zx=xbk6kf6mp3nm"/>
+          <p:cNvPr id="3" name="Picture 2"/>
           <p:cNvPicPr>
-            <a:picLocks noChangeAspect="1" noChangeArrowheads="1"/>
+            <a:picLocks noChangeAspect="1"/>
           </p:cNvPicPr>
           <p:nvPr/>
         </p:nvPicPr>
         <p:blipFill>
-          <a:blip r:embed="rId2">
-            <a:extLst>
-              <a:ext uri="{28A0092B-C50C-407E-A947-70E740481C1C}">
-                <a14:useLocalDpi xmlns:a14="http://schemas.microsoft.com/office/drawing/2010/main" val="0"/>
-              </a:ext>
-            </a:extLst>
-          </a:blip>
-          <a:srcRect/>
+          <a:blip r:embed="rId2"/>
           <a:stretch>
             <a:fillRect/>
           </a:stretch>
         </p:blipFill>
-        <p:spPr bwMode="auto">
+        <p:spPr>
           <a:xfrm>
-            <a:off x="827584" y="1345332"/>
-            <a:ext cx="7334250" cy="4029075"/>
+            <a:off x="755576" y="1129308"/>
+            <a:ext cx="7607300" cy="4241800"/>
           </a:xfrm>
           <a:prstGeom prst="rect">
             <a:avLst/>
           </a:prstGeom>
-          <a:noFill/>
-          <a:extLst>
-            <a:ext uri="{909E8E84-426E-40DD-AFC4-6F175D3DCCD1}">
-              <a14:hiddenFill xmlns:a14="http://schemas.microsoft.com/office/drawing/2010/main">
-                <a:solidFill>
-                  <a:srgbClr val="FFFFFF"/>
-                </a:solidFill>
-              </a14:hiddenFill>
-            </a:ext>
-          </a:extLst>
         </p:spPr>
       </p:pic>
     </p:spTree>
@@ -8940,8 +8962,8 @@
         </p:nvSpPr>
         <p:spPr>
           <a:xfrm>
-            <a:off x="3347864" y="1588818"/>
-            <a:ext cx="2374368" cy="1200329"/>
+            <a:off x="6228184" y="2209428"/>
+            <a:ext cx="2677836" cy="923330"/>
           </a:xfrm>
           <a:prstGeom prst="rect">
             <a:avLst/>
@@ -8958,43 +8980,29 @@
               <a:rPr lang="sv-SE" b="1" dirty="0" smtClean="0">
                 <a:latin typeface="Minya Nouvelle" pitchFamily="2" charset="0"/>
               </a:rPr>
-              <a:t>Tryggve Blom</a:t>
-            </a:r>
+              <a:t>Isak Utegård</a:t>
+            </a:r>
+            <a:endParaRPr lang="sv-SE" b="1" dirty="0" smtClean="0">
+              <a:latin typeface="Minya Nouvelle" pitchFamily="2" charset="0"/>
+            </a:endParaRPr>
           </a:p>
           <a:p>
             <a:r>
               <a:rPr lang="sv-SE" dirty="0" smtClean="0">
                 <a:latin typeface="Minya Nouvelle" pitchFamily="2" charset="0"/>
               </a:rPr>
-              <a:t>Campus/Distans</a:t>
-            </a:r>
+              <a:t>Campus</a:t>
+            </a:r>
+            <a:endParaRPr lang="sv-SE" dirty="0" smtClean="0">
+              <a:latin typeface="Minya Nouvelle" pitchFamily="2" charset="0"/>
+            </a:endParaRPr>
           </a:p>
           <a:p>
             <a:r>
               <a:rPr lang="sv-SE" dirty="0" smtClean="0">
                 <a:latin typeface="Minya Nouvelle" pitchFamily="2" charset="0"/>
               </a:rPr>
-              <a:t>tryggve.blom@lnu.se</a:t>
-            </a:r>
-          </a:p>
-          <a:p>
-            <a:r>
-              <a:rPr lang="sv-SE" dirty="0" err="1" smtClean="0">
-                <a:latin typeface="Minya Nouvelle" pitchFamily="2" charset="0"/>
-              </a:rPr>
-              <a:t>Skype</a:t>
-            </a:r>
-            <a:r>
-              <a:rPr lang="sv-SE" dirty="0" smtClean="0">
-                <a:latin typeface="Minya Nouvelle" pitchFamily="2" charset="0"/>
-              </a:rPr>
-              <a:t>: </a:t>
-            </a:r>
-            <a:r>
-              <a:rPr lang="sv-SE" dirty="0">
-                <a:latin typeface="Minya Nouvelle" pitchFamily="2" charset="0"/>
-              </a:rPr>
-              <a:t>tryggveblom</a:t>
+              <a:t>iu222ae@student.lnu.se</a:t>
             </a:r>
             <a:endParaRPr lang="sv-SE" dirty="0" smtClean="0">
               <a:latin typeface="Minya Nouvelle" pitchFamily="2" charset="0"/>
@@ -9010,7 +9018,7 @@
         </p:nvSpPr>
         <p:spPr>
           <a:xfrm>
-            <a:off x="3203848" y="3802896"/>
+            <a:off x="3275856" y="4081636"/>
             <a:ext cx="2820003" cy="1200329"/>
           </a:xfrm>
           <a:prstGeom prst="rect">
@@ -9036,8 +9044,17 @@
               <a:rPr lang="sv-SE" dirty="0" smtClean="0">
                 <a:latin typeface="Minya Nouvelle" pitchFamily="2" charset="0"/>
               </a:rPr>
-              <a:t>Campus (distans)</a:t>
-            </a:r>
+              <a:t>D</a:t>
+            </a:r>
+            <a:r>
+              <a:rPr lang="sv-SE" dirty="0" smtClean="0">
+                <a:latin typeface="Minya Nouvelle" pitchFamily="2" charset="0"/>
+              </a:rPr>
+              <a:t>istans</a:t>
+            </a:r>
+            <a:endParaRPr lang="sv-SE" dirty="0" smtClean="0">
+              <a:latin typeface="Minya Nouvelle" pitchFamily="2" charset="0"/>
+            </a:endParaRPr>
           </a:p>
           <a:p>
             <a:r>
@@ -9074,7 +9091,7 @@
       </p:sp>
       <p:pic>
         <p:nvPicPr>
-          <p:cNvPr id="3" name="Picture 2" descr="https://coursepress.lnu.se/wp-content/blogs.dir/avatars/442/09982d273547eab68f1e38ef3b584134-bpfull.jpg"/>
+          <p:cNvPr id="2052" name="Picture 4" descr="Profilbild för Mikael Östman"/>
           <p:cNvPicPr>
             <a:picLocks noChangeAspect="1" noChangeArrowheads="1"/>
           </p:cNvPicPr>
@@ -9095,8 +9112,8 @@
         </p:blipFill>
         <p:spPr bwMode="auto">
           <a:xfrm>
-            <a:off x="971600" y="1417340"/>
-            <a:ext cx="1772651" cy="1772651"/>
+            <a:off x="6156176" y="3649588"/>
+            <a:ext cx="1800200" cy="1800200"/>
           </a:xfrm>
           <a:prstGeom prst="rect">
             <a:avLst/>
@@ -9136,31 +9153,174 @@
           <a:extLst/>
         </p:spPr>
       </p:pic>
+      <p:sp>
+        <p:nvSpPr>
+          <p:cNvPr id="8" name="TextBox 7"/>
+          <p:cNvSpPr txBox="1"/>
+          <p:nvPr/>
+        </p:nvSpPr>
+        <p:spPr>
+          <a:xfrm>
+            <a:off x="1475656" y="1201316"/>
+            <a:ext cx="2857160" cy="1200329"/>
+          </a:xfrm>
+          <a:prstGeom prst="rect">
+            <a:avLst/>
+          </a:prstGeom>
+          <a:noFill/>
+        </p:spPr>
+        <p:txBody>
+          <a:bodyPr wrap="none" rtlCol="0">
+            <a:spAutoFit/>
+          </a:bodyPr>
+          <a:lstStyle/>
+          <a:p>
+            <a:r>
+              <a:rPr lang="sv-SE" b="1" dirty="0" smtClean="0">
+                <a:latin typeface="Minya Nouvelle" pitchFamily="2" charset="0"/>
+              </a:rPr>
+              <a:t>Martin </a:t>
+            </a:r>
+            <a:r>
+              <a:rPr lang="sv-SE" b="1" dirty="0" smtClean="0">
+                <a:latin typeface="Minya Nouvelle" pitchFamily="2" charset="0"/>
+              </a:rPr>
+              <a:t>Åhlin</a:t>
+            </a:r>
+            <a:endParaRPr lang="sv-SE" b="1" dirty="0" smtClean="0">
+              <a:latin typeface="Minya Nouvelle" pitchFamily="2" charset="0"/>
+            </a:endParaRPr>
+          </a:p>
+          <a:p>
+            <a:r>
+              <a:rPr lang="sv-SE" dirty="0" smtClean="0">
+                <a:latin typeface="Minya Nouvelle" pitchFamily="2" charset="0"/>
+              </a:rPr>
+              <a:t>D</a:t>
+            </a:r>
+            <a:r>
+              <a:rPr lang="sv-SE" dirty="0" smtClean="0">
+                <a:latin typeface="Minya Nouvelle" pitchFamily="2" charset="0"/>
+              </a:rPr>
+              <a:t>istans</a:t>
+            </a:r>
+            <a:endParaRPr lang="sv-SE" dirty="0" smtClean="0">
+              <a:latin typeface="Minya Nouvelle" pitchFamily="2" charset="0"/>
+            </a:endParaRPr>
+          </a:p>
+          <a:p>
+            <a:r>
+              <a:rPr lang="sv-SE" dirty="0">
+                <a:latin typeface="Minya Nouvelle" pitchFamily="2" charset="0"/>
+              </a:rPr>
+              <a:t>ma222uw@</a:t>
+            </a:r>
+            <a:r>
+              <a:rPr lang="sv-SE" dirty="0" smtClean="0">
+                <a:latin typeface="Minya Nouvelle" pitchFamily="2" charset="0"/>
+              </a:rPr>
+              <a:t>student.lnu.se</a:t>
+            </a:r>
+          </a:p>
+          <a:p>
+            <a:r>
+              <a:rPr lang="sv-SE" dirty="0" err="1" smtClean="0">
+                <a:latin typeface="Minya Nouvelle" pitchFamily="2" charset="0"/>
+              </a:rPr>
+              <a:t>Skype</a:t>
+            </a:r>
+            <a:r>
+              <a:rPr lang="sv-SE" dirty="0" smtClean="0">
+                <a:latin typeface="Minya Nouvelle" pitchFamily="2" charset="0"/>
+              </a:rPr>
+              <a:t>: </a:t>
+            </a:r>
+            <a:r>
+              <a:rPr lang="sv-SE" dirty="0" err="1" smtClean="0">
+                <a:latin typeface="Minya Nouvelle" pitchFamily="2" charset="0"/>
+              </a:rPr>
+              <a:t>martin.ahlin</a:t>
+            </a:r>
+            <a:endParaRPr lang="sv-SE" dirty="0" smtClean="0">
+              <a:latin typeface="Minya Nouvelle" pitchFamily="2" charset="0"/>
+            </a:endParaRPr>
+          </a:p>
+        </p:txBody>
+      </p:sp>
+      <p:sp>
+        <p:nvSpPr>
+          <p:cNvPr id="9" name="TextBox 8"/>
+          <p:cNvSpPr txBox="1"/>
+          <p:nvPr/>
+        </p:nvSpPr>
+        <p:spPr>
+          <a:xfrm>
+            <a:off x="539552" y="3217540"/>
+            <a:ext cx="2253817" cy="923330"/>
+          </a:xfrm>
+          <a:prstGeom prst="rect">
+            <a:avLst/>
+          </a:prstGeom>
+          <a:noFill/>
+        </p:spPr>
+        <p:txBody>
+          <a:bodyPr wrap="none" rtlCol="0">
+            <a:spAutoFit/>
+          </a:bodyPr>
+          <a:lstStyle/>
+          <a:p>
+            <a:r>
+              <a:rPr lang="sv-SE" b="1" dirty="0" smtClean="0">
+                <a:latin typeface="Minya Nouvelle" pitchFamily="2" charset="0"/>
+              </a:rPr>
+              <a:t>N.N</a:t>
+            </a:r>
+            <a:endParaRPr lang="sv-SE" b="1" dirty="0" smtClean="0">
+              <a:latin typeface="Minya Nouvelle" pitchFamily="2" charset="0"/>
+            </a:endParaRPr>
+          </a:p>
+          <a:p>
+            <a:r>
+              <a:rPr lang="sv-SE" dirty="0" smtClean="0">
+                <a:latin typeface="Minya Nouvelle" pitchFamily="2" charset="0"/>
+              </a:rPr>
+              <a:t>Campus</a:t>
+            </a:r>
+            <a:endParaRPr lang="sv-SE" dirty="0" smtClean="0">
+              <a:latin typeface="Minya Nouvelle" pitchFamily="2" charset="0"/>
+            </a:endParaRPr>
+          </a:p>
+          <a:p>
+            <a:r>
+              <a:rPr lang="sv-SE" dirty="0" err="1" smtClean="0">
+                <a:latin typeface="Minya Nouvelle" pitchFamily="2" charset="0"/>
+              </a:rPr>
+              <a:t>N.N@student.lnu.se</a:t>
+            </a:r>
+            <a:endParaRPr lang="sv-SE" dirty="0" smtClean="0">
+              <a:latin typeface="Minya Nouvelle" pitchFamily="2" charset="0"/>
+            </a:endParaRPr>
+          </a:p>
+        </p:txBody>
+      </p:sp>
       <p:pic>
         <p:nvPicPr>
-          <p:cNvPr id="2052" name="Picture 4" descr="Profilbild för Mikael Östman"/>
+          <p:cNvPr id="5" name="Picture 4"/>
           <p:cNvPicPr>
-            <a:picLocks noChangeAspect="1" noChangeArrowheads="1"/>
+            <a:picLocks noChangeAspect="1"/>
           </p:cNvPicPr>
           <p:nvPr/>
         </p:nvPicPr>
         <p:blipFill>
-          <a:blip r:embed="rId3">
-            <a:extLst>
-              <a:ext uri="{28A0092B-C50C-407E-A947-70E740481C1C}">
-                <a14:useLocalDpi xmlns:a14="http://schemas.microsoft.com/office/drawing/2010/main" val="0"/>
-              </a:ext>
-            </a:extLst>
-          </a:blip>
-          <a:srcRect/>
+          <a:blip r:embed="rId3"/>
           <a:stretch>
             <a:fillRect/>
           </a:stretch>
         </p:blipFill>
-        <p:spPr bwMode="auto">
+        <p:spPr>
           <a:xfrm>
-            <a:off x="6084168" y="3361556"/>
-            <a:ext cx="1800200" cy="1800200"/>
+            <a:off x="0" y="1129308"/>
+            <a:ext cx="1219200" cy="1219200"/>
           </a:xfrm>
           <a:prstGeom prst="rect">
             <a:avLst/>
@@ -9197,7 +9357,62 @@
               <a:srgbClr val="969696"/>
             </a:contourClr>
           </a:sp3d>
-          <a:extLst/>
+        </p:spPr>
+      </p:pic>
+      <p:pic>
+        <p:nvPicPr>
+          <p:cNvPr id="6" name="Picture 5"/>
+          <p:cNvPicPr>
+            <a:picLocks noChangeAspect="1"/>
+          </p:cNvPicPr>
+          <p:nvPr/>
+        </p:nvPicPr>
+        <p:blipFill>
+          <a:blip r:embed="rId4"/>
+          <a:stretch>
+            <a:fillRect/>
+          </a:stretch>
+        </p:blipFill>
+        <p:spPr>
+          <a:xfrm rot="1363670">
+            <a:off x="4461332" y="1379932"/>
+            <a:ext cx="1622358" cy="1616968"/>
+          </a:xfrm>
+          <a:prstGeom prst="rect">
+            <a:avLst/>
+          </a:prstGeom>
+          <a:solidFill>
+            <a:srgbClr val="FFFFFF">
+              <a:shade val="85000"/>
+            </a:srgbClr>
+          </a:solidFill>
+          <a:ln w="190500" cap="sq">
+            <a:solidFill>
+              <a:srgbClr val="FFFFFF"/>
+            </a:solidFill>
+            <a:miter lim="800000"/>
+          </a:ln>
+          <a:effectLst>
+            <a:outerShdw blurRad="65000" dist="50800" dir="12900000" kx="195000" ky="145000" algn="tl" rotWithShape="0">
+              <a:srgbClr val="000000">
+                <a:alpha val="30000"/>
+              </a:srgbClr>
+            </a:outerShdw>
+          </a:effectLst>
+          <a:scene3d>
+            <a:camera prst="orthographicFront">
+              <a:rot lat="0" lon="0" rev="360000"/>
+            </a:camera>
+            <a:lightRig rig="twoPt" dir="t">
+              <a:rot lat="0" lon="0" rev="7200000"/>
+            </a:lightRig>
+          </a:scene3d>
+          <a:sp3d contourW="12700">
+            <a:bevelT w="25400" h="19050"/>
+            <a:contourClr>
+              <a:srgbClr val="969696"/>
+            </a:contourClr>
+          </a:sp3d>
         </p:spPr>
       </p:pic>
     </p:spTree>
